--- a/Gradle原理及插件开发.pptx
+++ b/Gradle原理及插件开发.pptx
@@ -289,7 +289,7 @@
           <a:p>
             <a:fld id="{6BFECD78-3C8E-49F2-8FAB-59489D168ABB}" type="datetimeFigureOut">
               <a:rPr lang="en-US" smtClean="0"/>
-              <a:t>25/09/17</a:t>
+              <a:t>13/10/17</a:t>
             </a:fld>
             <a:endParaRPr lang="en-US"/>
           </a:p>
@@ -459,7 +459,7 @@
           <a:p>
             <a:fld id="{6BFECD78-3C8E-49F2-8FAB-59489D168ABB}" type="datetimeFigureOut">
               <a:rPr lang="en-US" smtClean="0"/>
-              <a:t>25/09/17</a:t>
+              <a:t>13/10/17</a:t>
             </a:fld>
             <a:endParaRPr lang="en-US"/>
           </a:p>
@@ -639,7 +639,7 @@
           <a:p>
             <a:fld id="{6BFECD78-3C8E-49F2-8FAB-59489D168ABB}" type="datetimeFigureOut">
               <a:rPr lang="en-US" smtClean="0"/>
-              <a:t>25/09/17</a:t>
+              <a:t>13/10/17</a:t>
             </a:fld>
             <a:endParaRPr lang="en-US"/>
           </a:p>
@@ -809,7 +809,7 @@
           <a:p>
             <a:fld id="{6BFECD78-3C8E-49F2-8FAB-59489D168ABB}" type="datetimeFigureOut">
               <a:rPr lang="en-US" smtClean="0"/>
-              <a:t>25/09/17</a:t>
+              <a:t>13/10/17</a:t>
             </a:fld>
             <a:endParaRPr lang="en-US"/>
           </a:p>
@@ -1055,7 +1055,7 @@
           <a:p>
             <a:fld id="{6BFECD78-3C8E-49F2-8FAB-59489D168ABB}" type="datetimeFigureOut">
               <a:rPr lang="en-US" smtClean="0"/>
-              <a:t>25/09/17</a:t>
+              <a:t>13/10/17</a:t>
             </a:fld>
             <a:endParaRPr lang="en-US"/>
           </a:p>
@@ -1343,7 +1343,7 @@
           <a:p>
             <a:fld id="{6BFECD78-3C8E-49F2-8FAB-59489D168ABB}" type="datetimeFigureOut">
               <a:rPr lang="en-US" smtClean="0"/>
-              <a:t>25/09/17</a:t>
+              <a:t>13/10/17</a:t>
             </a:fld>
             <a:endParaRPr lang="en-US"/>
           </a:p>
@@ -1765,7 +1765,7 @@
           <a:p>
             <a:fld id="{6BFECD78-3C8E-49F2-8FAB-59489D168ABB}" type="datetimeFigureOut">
               <a:rPr lang="en-US" smtClean="0"/>
-              <a:t>25/09/17</a:t>
+              <a:t>13/10/17</a:t>
             </a:fld>
             <a:endParaRPr lang="en-US"/>
           </a:p>
@@ -1883,7 +1883,7 @@
           <a:p>
             <a:fld id="{6BFECD78-3C8E-49F2-8FAB-59489D168ABB}" type="datetimeFigureOut">
               <a:rPr lang="en-US" smtClean="0"/>
-              <a:t>25/09/17</a:t>
+              <a:t>13/10/17</a:t>
             </a:fld>
             <a:endParaRPr lang="en-US"/>
           </a:p>
@@ -1978,7 +1978,7 @@
           <a:p>
             <a:fld id="{6BFECD78-3C8E-49F2-8FAB-59489D168ABB}" type="datetimeFigureOut">
               <a:rPr lang="en-US" smtClean="0"/>
-              <a:t>25/09/17</a:t>
+              <a:t>13/10/17</a:t>
             </a:fld>
             <a:endParaRPr lang="en-US"/>
           </a:p>
@@ -2255,7 +2255,7 @@
           <a:p>
             <a:fld id="{6BFECD78-3C8E-49F2-8FAB-59489D168ABB}" type="datetimeFigureOut">
               <a:rPr lang="en-US" smtClean="0"/>
-              <a:t>25/09/17</a:t>
+              <a:t>13/10/17</a:t>
             </a:fld>
             <a:endParaRPr lang="en-US"/>
           </a:p>
@@ -2512,7 +2512,7 @@
           <a:p>
             <a:fld id="{6BFECD78-3C8E-49F2-8FAB-59489D168ABB}" type="datetimeFigureOut">
               <a:rPr lang="en-US" smtClean="0"/>
-              <a:t>25/09/17</a:t>
+              <a:t>13/10/17</a:t>
             </a:fld>
             <a:endParaRPr lang="en-US"/>
           </a:p>
@@ -2725,7 +2725,7 @@
           <a:p>
             <a:fld id="{6BFECD78-3C8E-49F2-8FAB-59489D168ABB}" type="datetimeFigureOut">
               <a:rPr lang="en-US" smtClean="0"/>
-              <a:t>25/09/17</a:t>
+              <a:t>13/10/17</a:t>
             </a:fld>
             <a:endParaRPr lang="en-US"/>
           </a:p>
@@ -3123,16 +3123,16 @@
           <a:lstStyle/>
           <a:p>
             <a:r>
+              <a:rPr kumimoji="1" lang="zh-CN" altLang="en-US" dirty="0" smtClean="0"/>
+              <a:t>G</a:t>
+            </a:r>
+            <a:r>
               <a:rPr kumimoji="1" lang="en-US" altLang="zh-CN" dirty="0" err="1" smtClean="0"/>
-              <a:t>Gradle</a:t>
+              <a:t>radle</a:t>
             </a:r>
             <a:r>
               <a:rPr kumimoji="1" lang="zh-CN" altLang="en-US" dirty="0" smtClean="0"/>
-              <a:t>原理</a:t>
-            </a:r>
-            <a:r>
-              <a:rPr kumimoji="1" lang="zh-CN" altLang="zh-CN" dirty="0"/>
-              <a:t>、</a:t>
+              <a:t>详解及其在</a:t>
             </a:r>
             <a:r>
               <a:rPr kumimoji="1" lang="en-US" altLang="zh-CN" dirty="0" smtClean="0"/>
@@ -3140,7 +3140,7 @@
             </a:r>
             <a:r>
               <a:rPr kumimoji="1" lang="zh-CN" altLang="en-US" dirty="0" smtClean="0"/>
-              <a:t>插件及插件开发</a:t>
+              <a:t>中的使用</a:t>
             </a:r>
             <a:endParaRPr kumimoji="1" lang="zh-CN" altLang="en-US" dirty="0"/>
           </a:p>
